--- a/Template.pptx
+++ b/Template.pptx
@@ -455,7 +455,7 @@
           <a:p>
             <a:fld id="{0EAE29FA-B957-4D9F-B524-E33F438B69FC}" type="datetimeFigureOut">
               <a:rPr lang="en-IN" smtClean="0"/>
-              <a:t>25/09/23</a:t>
+              <a:t>04-10-2023</a:t>
             </a:fld>
             <a:endParaRPr lang="en-IN"/>
           </a:p>
@@ -1543,7 +1543,7 @@
           <a:p>
             <a:fld id="{0EAE29FA-B957-4D9F-B524-E33F438B69FC}" type="datetimeFigureOut">
               <a:rPr lang="en-IN" smtClean="0"/>
-              <a:t>25/09/23</a:t>
+              <a:t>04-10-2023</a:t>
             </a:fld>
             <a:endParaRPr lang="en-IN"/>
           </a:p>
@@ -2523,7 +2523,7 @@
           <a:p>
             <a:fld id="{0EAE29FA-B957-4D9F-B524-E33F438B69FC}" type="datetimeFigureOut">
               <a:rPr lang="en-IN" smtClean="0"/>
-              <a:t>25/09/23</a:t>
+              <a:t>04-10-2023</a:t>
             </a:fld>
             <a:endParaRPr lang="en-IN"/>
           </a:p>
@@ -3657,7 +3657,7 @@
           <a:p>
             <a:fld id="{0EAE29FA-B957-4D9F-B524-E33F438B69FC}" type="datetimeFigureOut">
               <a:rPr lang="en-IN" smtClean="0"/>
-              <a:t>25/09/23</a:t>
+              <a:t>04-10-2023</a:t>
             </a:fld>
             <a:endParaRPr lang="en-IN"/>
           </a:p>
@@ -4690,7 +4690,7 @@
           <a:p>
             <a:fld id="{0EAE29FA-B957-4D9F-B524-E33F438B69FC}" type="datetimeFigureOut">
               <a:rPr lang="en-IN" smtClean="0"/>
-              <a:t>25/09/23</a:t>
+              <a:t>04-10-2023</a:t>
             </a:fld>
             <a:endParaRPr lang="en-IN"/>
           </a:p>
@@ -5350,7 +5350,7 @@
           <a:p>
             <a:fld id="{0EAE29FA-B957-4D9F-B524-E33F438B69FC}" type="datetimeFigureOut">
               <a:rPr lang="en-IN" smtClean="0"/>
-              <a:t>25/09/23</a:t>
+              <a:t>04-10-2023</a:t>
             </a:fld>
             <a:endParaRPr lang="en-IN"/>
           </a:p>
@@ -6211,7 +6211,7 @@
           <a:p>
             <a:fld id="{0EAE29FA-B957-4D9F-B524-E33F438B69FC}" type="datetimeFigureOut">
               <a:rPr lang="en-IN" smtClean="0"/>
-              <a:t>25/09/23</a:t>
+              <a:t>04-10-2023</a:t>
             </a:fld>
             <a:endParaRPr lang="en-IN"/>
           </a:p>
@@ -6401,7 +6401,7 @@
           <a:p>
             <a:fld id="{0EAE29FA-B957-4D9F-B524-E33F438B69FC}" type="datetimeFigureOut">
               <a:rPr lang="en-IN" smtClean="0"/>
-              <a:t>25/09/23</a:t>
+              <a:t>04-10-2023</a:t>
             </a:fld>
             <a:endParaRPr lang="en-IN"/>
           </a:p>
@@ -7373,7 +7373,7 @@
           <a:p>
             <a:fld id="{0EAE29FA-B957-4D9F-B524-E33F438B69FC}" type="datetimeFigureOut">
               <a:rPr lang="en-IN" smtClean="0"/>
-              <a:t>25/09/23</a:t>
+              <a:t>04-10-2023</a:t>
             </a:fld>
             <a:endParaRPr lang="en-IN"/>
           </a:p>
@@ -7584,7 +7584,7 @@
           <a:p>
             <a:fld id="{0EAE29FA-B957-4D9F-B524-E33F438B69FC}" type="datetimeFigureOut">
               <a:rPr lang="en-IN" smtClean="0"/>
-              <a:t>25/09/23</a:t>
+              <a:t>04-10-2023</a:t>
             </a:fld>
             <a:endParaRPr lang="en-IN"/>
           </a:p>
@@ -8618,7 +8618,7 @@
           <a:p>
             <a:fld id="{0EAE29FA-B957-4D9F-B524-E33F438B69FC}" type="datetimeFigureOut">
               <a:rPr lang="en-IN" smtClean="0"/>
-              <a:t>25/09/23</a:t>
+              <a:t>04-10-2023</a:t>
             </a:fld>
             <a:endParaRPr lang="en-IN"/>
           </a:p>
@@ -8890,7 +8890,7 @@
           <a:p>
             <a:fld id="{0EAE29FA-B957-4D9F-B524-E33F438B69FC}" type="datetimeFigureOut">
               <a:rPr lang="en-IN" smtClean="0"/>
-              <a:t>25/09/23</a:t>
+              <a:t>04-10-2023</a:t>
             </a:fld>
             <a:endParaRPr lang="en-IN"/>
           </a:p>
@@ -9300,7 +9300,7 @@
           <a:p>
             <a:fld id="{0EAE29FA-B957-4D9F-B524-E33F438B69FC}" type="datetimeFigureOut">
               <a:rPr lang="en-IN" smtClean="0"/>
-              <a:t>25/09/23</a:t>
+              <a:t>04-10-2023</a:t>
             </a:fld>
             <a:endParaRPr lang="en-IN"/>
           </a:p>
@@ -9427,7 +9427,7 @@
           <a:p>
             <a:fld id="{0EAE29FA-B957-4D9F-B524-E33F438B69FC}" type="datetimeFigureOut">
               <a:rPr lang="en-IN" smtClean="0"/>
-              <a:t>25/09/23</a:t>
+              <a:t>04-10-2023</a:t>
             </a:fld>
             <a:endParaRPr lang="en-IN"/>
           </a:p>
@@ -9522,7 +9522,7 @@
           <a:p>
             <a:fld id="{0EAE29FA-B957-4D9F-B524-E33F438B69FC}" type="datetimeFigureOut">
               <a:rPr lang="en-IN" smtClean="0"/>
-              <a:t>25/09/23</a:t>
+              <a:t>04-10-2023</a:t>
             </a:fld>
             <a:endParaRPr lang="en-IN"/>
           </a:p>
@@ -10603,7 +10603,7 @@
           <a:p>
             <a:fld id="{0EAE29FA-B957-4D9F-B524-E33F438B69FC}" type="datetimeFigureOut">
               <a:rPr lang="en-IN" smtClean="0"/>
-              <a:t>25/09/23</a:t>
+              <a:t>04-10-2023</a:t>
             </a:fld>
             <a:endParaRPr lang="en-IN"/>
           </a:p>
@@ -11711,7 +11711,7 @@
           <a:p>
             <a:fld id="{0EAE29FA-B957-4D9F-B524-E33F438B69FC}" type="datetimeFigureOut">
               <a:rPr lang="en-IN" smtClean="0"/>
-              <a:t>25/09/23</a:t>
+              <a:t>04-10-2023</a:t>
             </a:fld>
             <a:endParaRPr lang="en-IN"/>
           </a:p>
@@ -12708,7 +12708,7 @@
           <a:p>
             <a:fld id="{0EAE29FA-B957-4D9F-B524-E33F438B69FC}" type="datetimeFigureOut">
               <a:rPr lang="en-IN" smtClean="0"/>
-              <a:t>25/09/23</a:t>
+              <a:t>04-10-2023</a:t>
             </a:fld>
             <a:endParaRPr lang="en-IN"/>
           </a:p>
@@ -13285,14 +13285,14 @@
         </p:spPr>
         <p:txBody>
           <a:bodyPr>
-            <a:normAutofit/>
+            <a:normAutofit fontScale="90000"/>
           </a:bodyPr>
           <a:lstStyle/>
           <a:p>
             <a:pPr algn="ctr"/>
             <a:r>
               <a:rPr lang="en-US" sz="3200" b="1" dirty="0"/>
-              <a:t>“PRICE COMPARISION APP”</a:t>
+              <a:t>“PERSONALITY PREDICTION SYSTEM VIA CV ANALYSIS”</a:t>
             </a:r>
             <a:endParaRPr lang="en-IN" sz="4800" b="1" dirty="0"/>
           </a:p>
@@ -13323,35 +13323,35 @@
             <a:pPr algn="ctr"/>
             <a:r>
               <a:rPr lang="en-US" sz="4900" b="1" dirty="0"/>
-              <a:t>Student (ID)</a:t>
+              <a:t>MAYANK KHURANA (100883761)</a:t>
             </a:r>
           </a:p>
           <a:p>
             <a:pPr algn="ctr"/>
             <a:r>
               <a:rPr lang="en-US" sz="4900" b="1" dirty="0"/>
-              <a:t>Student (ID)</a:t>
+              <a:t>K SHARON NIHARIKA(100929268)</a:t>
             </a:r>
           </a:p>
           <a:p>
             <a:pPr algn="ctr"/>
             <a:r>
               <a:rPr lang="en-US" sz="4900" b="1" dirty="0"/>
-              <a:t>Student (ID)</a:t>
+              <a:t>PRIYANKA Choudhary  (100940752)</a:t>
             </a:r>
           </a:p>
           <a:p>
             <a:pPr algn="ctr"/>
             <a:r>
               <a:rPr lang="en-US" sz="4900" b="1" dirty="0"/>
-              <a:t>Student (ID)</a:t>
+              <a:t>SAIRAJ UDAYSHANKAR(100865420)</a:t>
             </a:r>
           </a:p>
           <a:p>
             <a:pPr algn="ctr"/>
             <a:r>
               <a:rPr lang="en-US" sz="4900" b="1" dirty="0"/>
-              <a:t>Student (ID)</a:t>
+              <a:t>CHANDRAKANTH YARLAGADDA (100944159)</a:t>
             </a:r>
           </a:p>
           <a:p>
@@ -13425,8 +13425,8 @@
         </p:nvSpPr>
         <p:spPr>
           <a:xfrm>
-            <a:off x="2629259" y="3307521"/>
-            <a:ext cx="3466741" cy="1670326"/>
+            <a:off x="749659" y="2600556"/>
+            <a:ext cx="11035941" cy="3283776"/>
           </a:xfrm>
         </p:spPr>
         <p:txBody>
@@ -13436,43 +13436,74 @@
           <a:lstStyle/>
           <a:p>
             <a:r>
-              <a:rPr lang="en-US" dirty="0" err="1"/>
-              <a:t>xxxxx</a:t>
+              <a:rPr lang="en-US" dirty="0"/>
+              <a:t>Primary Goal of the project – To Help the HR to shortlist candidates and arrive at a rank list from the applied candidates to a particular job profile using FAIVE technology.</a:t>
             </a:r>
+          </a:p>
+          <a:p>
             <a:r>
               <a:rPr lang="en-US" dirty="0"/>
-              <a:t>.</a:t>
+              <a:t>Secondary Goals : </a:t>
             </a:r>
           </a:p>
           <a:p>
-            <a:r>
-              <a:rPr lang="en-US" dirty="0" err="1"/>
-              <a:t>xxxxx</a:t>
-            </a:r>
+            <a:pPr lvl="3"/>
             <a:r>
               <a:rPr lang="en-US" dirty="0"/>
-              <a:t>.</a:t>
+              <a:t>To ensure the HR gets an idea about the comprehensive picture of the candidate’s personality through the following-</a:t>
             </a:r>
           </a:p>
           <a:p>
-            <a:r>
-              <a:rPr lang="en-US" dirty="0" err="1"/>
-              <a:t>xxxxx</a:t>
-            </a:r>
+            <a:pPr lvl="7"/>
             <a:r>
               <a:rPr lang="en-US" dirty="0"/>
-              <a:t>.</a:t>
+              <a:t>CV Analysis</a:t>
             </a:r>
           </a:p>
           <a:p>
-            <a:r>
-              <a:rPr lang="en-US" dirty="0" err="1"/>
-              <a:t>xxxxx</a:t>
-            </a:r>
+            <a:pPr lvl="7"/>
             <a:r>
               <a:rPr lang="en-US" dirty="0"/>
-              <a:t>.</a:t>
+              <a:t>Personality Test</a:t>
             </a:r>
+          </a:p>
+          <a:p>
+            <a:pPr lvl="7"/>
+            <a:r>
+              <a:rPr lang="en-US" dirty="0"/>
+              <a:t>Aptitude test</a:t>
+            </a:r>
+          </a:p>
+          <a:p>
+            <a:pPr lvl="3"/>
+            <a:r>
+              <a:rPr lang="en-US" dirty="0"/>
+              <a:t>To ensure the candidate is able to view their scores</a:t>
+            </a:r>
+          </a:p>
+          <a:p>
+            <a:pPr lvl="3"/>
+            <a:r>
+              <a:rPr lang="en-US" dirty="0"/>
+              <a:t>To enable the candidate to apply for multiple job postings</a:t>
+            </a:r>
+          </a:p>
+          <a:p>
+            <a:pPr lvl="3"/>
+            <a:r>
+              <a:rPr lang="en-US" dirty="0"/>
+              <a:t>To enable the HR to post multiple job postings</a:t>
+            </a:r>
+          </a:p>
+          <a:p>
+            <a:pPr lvl="3"/>
+            <a:endParaRPr lang="en-US" dirty="0"/>
+          </a:p>
+          <a:p>
+            <a:pPr marL="3200400" lvl="7" indent="0">
+              <a:buNone/>
+            </a:pPr>
+            <a:endParaRPr lang="en-US" dirty="0"/>
           </a:p>
           <a:p>
             <a:endParaRPr lang="en-IN" dirty="0"/>
@@ -13534,6 +13565,170 @@
       </p:sp>
       <p:sp>
         <p:nvSpPr>
+          <p:cNvPr id="6" name="Content Placeholder 5">
+            <a:extLst>
+              <a:ext uri="{FF2B5EF4-FFF2-40B4-BE49-F238E27FC236}">
+                <a16:creationId xmlns:a16="http://schemas.microsoft.com/office/drawing/2014/main" id="{CCA0AD9F-7333-3D8F-CB4F-8E0061D0FC17}"/>
+              </a:ext>
+            </a:extLst>
+          </p:cNvPr>
+          <p:cNvSpPr>
+            <a:spLocks noGrp="1"/>
+          </p:cNvSpPr>
+          <p:nvPr>
+            <p:ph idx="1"/>
+          </p:nvPr>
+        </p:nvSpPr>
+        <p:spPr>
+          <a:xfrm>
+            <a:off x="18138" y="2339340"/>
+            <a:ext cx="6687461" cy="4284979"/>
+          </a:xfrm>
+        </p:spPr>
+        <p:txBody>
+          <a:bodyPr>
+            <a:normAutofit fontScale="92500" lnSpcReduction="10000"/>
+          </a:bodyPr>
+          <a:lstStyle/>
+          <a:p>
+            <a:r>
+              <a:rPr lang="en-IN" dirty="0"/>
+              <a:t>The Projects will have the following Epics-</a:t>
+            </a:r>
+          </a:p>
+          <a:p>
+            <a:pPr>
+              <a:buFont typeface="+mj-lt"/>
+              <a:buAutoNum type="arabicPeriod"/>
+            </a:pPr>
+            <a:r>
+              <a:rPr lang="en-IN" dirty="0"/>
+              <a:t>Login Page[Stage-1]</a:t>
+            </a:r>
+          </a:p>
+          <a:p>
+            <a:pPr>
+              <a:buFont typeface="+mj-lt"/>
+              <a:buAutoNum type="arabicPeriod"/>
+            </a:pPr>
+            <a:r>
+              <a:rPr lang="en-IN" dirty="0"/>
+              <a:t>Sign Up Page[Separate for both HR and Candidate]-[Stage-1]</a:t>
+            </a:r>
+          </a:p>
+          <a:p>
+            <a:pPr>
+              <a:buFont typeface="+mj-lt"/>
+              <a:buAutoNum type="arabicPeriod"/>
+            </a:pPr>
+            <a:r>
+              <a:rPr lang="en-IN" dirty="0"/>
+              <a:t>Job Creation/Postings Page[Stage-1]</a:t>
+            </a:r>
+          </a:p>
+          <a:p>
+            <a:pPr>
+              <a:buFont typeface="+mj-lt"/>
+              <a:buAutoNum type="arabicPeriod"/>
+            </a:pPr>
+            <a:r>
+              <a:rPr lang="en-IN" dirty="0"/>
+              <a:t>CV Upload[Stage-2]</a:t>
+            </a:r>
+          </a:p>
+          <a:p>
+            <a:pPr>
+              <a:buFont typeface="+mj-lt"/>
+              <a:buAutoNum type="arabicPeriod"/>
+            </a:pPr>
+            <a:r>
+              <a:rPr lang="en-IN" dirty="0"/>
+              <a:t>Personality Test[Stage-2]</a:t>
+            </a:r>
+          </a:p>
+          <a:p>
+            <a:pPr>
+              <a:buFont typeface="+mj-lt"/>
+              <a:buAutoNum type="arabicPeriod"/>
+            </a:pPr>
+            <a:r>
+              <a:rPr lang="en-IN" dirty="0"/>
+              <a:t>Aptitude Test[Stage-2]</a:t>
+            </a:r>
+          </a:p>
+          <a:p>
+            <a:pPr>
+              <a:buFont typeface="+mj-lt"/>
+              <a:buAutoNum type="arabicPeriod"/>
+            </a:pPr>
+            <a:r>
+              <a:rPr lang="en-IN" dirty="0"/>
+              <a:t>HR </a:t>
+            </a:r>
+            <a:r>
+              <a:rPr lang="en-IN" dirty="0" err="1"/>
+              <a:t>Ranklist</a:t>
+            </a:r>
+            <a:r>
+              <a:rPr lang="en-IN" dirty="0"/>
+              <a:t>[Stage-3]</a:t>
+            </a:r>
+          </a:p>
+          <a:p>
+            <a:pPr>
+              <a:buFont typeface="+mj-lt"/>
+              <a:buAutoNum type="arabicPeriod"/>
+            </a:pPr>
+            <a:r>
+              <a:rPr lang="en-IN" dirty="0"/>
+              <a:t>Personality Report/Scoresheet of candidates [Stage-3]</a:t>
+            </a:r>
+          </a:p>
+          <a:p>
+            <a:pPr>
+              <a:buFont typeface="+mj-lt"/>
+              <a:buAutoNum type="arabicPeriod"/>
+            </a:pPr>
+            <a:r>
+              <a:rPr lang="en-IN" dirty="0"/>
+              <a:t>Candidate Result viewing page [Stage-3]</a:t>
+            </a:r>
+          </a:p>
+          <a:p>
+            <a:pPr>
+              <a:buFont typeface="+mj-lt"/>
+              <a:buAutoNum type="arabicPeriod"/>
+            </a:pPr>
+            <a:r>
+              <a:rPr lang="en-IN" dirty="0"/>
+              <a:t>Schedule Interview mail [Stage-3]</a:t>
+            </a:r>
+          </a:p>
+          <a:p>
+            <a:pPr>
+              <a:buFont typeface="+mj-lt"/>
+              <a:buAutoNum type="arabicPeriod"/>
+            </a:pPr>
+            <a:endParaRPr lang="en-IN" dirty="0"/>
+          </a:p>
+          <a:p>
+            <a:pPr>
+              <a:buFont typeface="+mj-lt"/>
+              <a:buAutoNum type="arabicPeriod"/>
+            </a:pPr>
+            <a:endParaRPr lang="en-IN" dirty="0"/>
+          </a:p>
+          <a:p>
+            <a:pPr>
+              <a:buFont typeface="+mj-lt"/>
+              <a:buAutoNum type="arabicPeriod"/>
+            </a:pPr>
+            <a:endParaRPr lang="en-IN" dirty="0"/>
+          </a:p>
+        </p:txBody>
+      </p:sp>
+      <p:sp>
+        <p:nvSpPr>
           <p:cNvPr id="7" name="Content Placeholder 2">
             <a:extLst>
               <a:ext uri="{FF2B5EF4-FFF2-40B4-BE49-F238E27FC236}">
@@ -13548,8 +13743,8 @@
         </p:nvSpPr>
         <p:spPr>
           <a:xfrm>
-            <a:off x="2629259" y="3307521"/>
-            <a:ext cx="3466741" cy="1670326"/>
+            <a:off x="769979" y="2593836"/>
+            <a:ext cx="5681621" cy="4030483"/>
           </a:xfrm>
           <a:prstGeom prst="rect">
             <a:avLst/>
@@ -13787,34 +13982,455 @@
             </a:lvl9pPr>
           </a:lstStyle>
           <a:p>
-            <a:r>
-              <a:rPr lang="en-US"/>
-              <a:t>xxxxx.</a:t>
-            </a:r>
-          </a:p>
-          <a:p>
-            <a:r>
-              <a:rPr lang="en-US"/>
-              <a:t>xxxxx.</a:t>
-            </a:r>
-          </a:p>
-          <a:p>
-            <a:r>
-              <a:rPr lang="en-US"/>
-              <a:t>xxxxx.</a:t>
-            </a:r>
-          </a:p>
-          <a:p>
-            <a:r>
-              <a:rPr lang="en-US"/>
-              <a:t>xxxxx.</a:t>
-            </a:r>
-          </a:p>
-          <a:p>
+            <a:pPr marL="0" indent="0">
+              <a:buNone/>
+            </a:pPr>
             <a:endParaRPr lang="en-IN" dirty="0"/>
           </a:p>
         </p:txBody>
       </p:sp>
+      <p:graphicFrame>
+        <p:nvGraphicFramePr>
+          <p:cNvPr id="9" name="Table 8">
+            <a:extLst>
+              <a:ext uri="{FF2B5EF4-FFF2-40B4-BE49-F238E27FC236}">
+                <a16:creationId xmlns:a16="http://schemas.microsoft.com/office/drawing/2014/main" id="{08240C3C-80E3-268A-5062-8F1D73B8E658}"/>
+              </a:ext>
+            </a:extLst>
+          </p:cNvPr>
+          <p:cNvGraphicFramePr>
+            <a:graphicFrameLocks noGrp="1"/>
+          </p:cNvGraphicFramePr>
+          <p:nvPr>
+            <p:extLst>
+              <p:ext uri="{D42A27DB-BD31-4B8C-83A1-F6EECF244321}">
+                <p14:modId xmlns:p14="http://schemas.microsoft.com/office/powerpoint/2010/main" val="2857476983"/>
+              </p:ext>
+            </p:extLst>
+          </p:nvPr>
+        </p:nvGraphicFramePr>
+        <p:xfrm>
+          <a:off x="6319519" y="2521698"/>
+          <a:ext cx="5730241" cy="3920261"/>
+        </p:xfrm>
+        <a:graphic>
+          <a:graphicData uri="http://schemas.openxmlformats.org/drawingml/2006/table">
+            <a:tbl>
+              <a:tblPr firstRow="1" bandRow="1">
+                <a:tableStyleId>{5C22544A-7EE6-4342-B048-85BDC9FD1C3A}</a:tableStyleId>
+              </a:tblPr>
+              <a:tblGrid>
+                <a:gridCol w="1275854">
+                  <a:extLst>
+                    <a:ext uri="{9D8B030D-6E8A-4147-A177-3AD203B41FA5}">
+                      <a16:colId xmlns:a16="http://schemas.microsoft.com/office/drawing/2014/main" val="1400060515"/>
+                    </a:ext>
+                  </a:extLst>
+                </a:gridCol>
+                <a:gridCol w="1091427">
+                  <a:extLst>
+                    <a:ext uri="{9D8B030D-6E8A-4147-A177-3AD203B41FA5}">
+                      <a16:colId xmlns:a16="http://schemas.microsoft.com/office/drawing/2014/main" val="51794651"/>
+                    </a:ext>
+                  </a:extLst>
+                </a:gridCol>
+                <a:gridCol w="1737360">
+                  <a:extLst>
+                    <a:ext uri="{9D8B030D-6E8A-4147-A177-3AD203B41FA5}">
+                      <a16:colId xmlns:a16="http://schemas.microsoft.com/office/drawing/2014/main" val="151400706"/>
+                    </a:ext>
+                  </a:extLst>
+                </a:gridCol>
+                <a:gridCol w="1625600">
+                  <a:extLst>
+                    <a:ext uri="{9D8B030D-6E8A-4147-A177-3AD203B41FA5}">
+                      <a16:colId xmlns:a16="http://schemas.microsoft.com/office/drawing/2014/main" val="121263328"/>
+                    </a:ext>
+                  </a:extLst>
+                </a:gridCol>
+              </a:tblGrid>
+              <a:tr h="816721">
+                <a:tc>
+                  <a:txBody>
+                    <a:bodyPr/>
+                    <a:lstStyle/>
+                    <a:p>
+                      <a:r>
+                        <a:rPr lang="en-IN" dirty="0"/>
+                        <a:t>Stage</a:t>
+                      </a:r>
+                    </a:p>
+                  </a:txBody>
+                  <a:tcPr/>
+                </a:tc>
+                <a:tc>
+                  <a:txBody>
+                    <a:bodyPr/>
+                    <a:lstStyle/>
+                    <a:p>
+                      <a:r>
+                        <a:rPr lang="en-IN" dirty="0"/>
+                        <a:t>Number of Epics</a:t>
+                      </a:r>
+                    </a:p>
+                  </a:txBody>
+                  <a:tcPr/>
+                </a:tc>
+                <a:tc>
+                  <a:txBody>
+                    <a:bodyPr/>
+                    <a:lstStyle/>
+                    <a:p>
+                      <a:r>
+                        <a:rPr lang="en-IN" dirty="0"/>
+                        <a:t>Development Deadline</a:t>
+                      </a:r>
+                    </a:p>
+                  </a:txBody>
+                  <a:tcPr/>
+                </a:tc>
+                <a:tc>
+                  <a:txBody>
+                    <a:bodyPr/>
+                    <a:lstStyle/>
+                    <a:p>
+                      <a:r>
+                        <a:rPr lang="en-IN" dirty="0"/>
+                        <a:t>Testing</a:t>
+                      </a:r>
+                    </a:p>
+                    <a:p>
+                      <a:r>
+                        <a:rPr lang="en-IN" dirty="0"/>
+                        <a:t>Deadline</a:t>
+                      </a:r>
+                    </a:p>
+                  </a:txBody>
+                  <a:tcPr/>
+                </a:tc>
+                <a:extLst>
+                  <a:ext uri="{0D108BD9-81ED-4DB2-BD59-A6C34878D82A}">
+                    <a16:rowId xmlns:a16="http://schemas.microsoft.com/office/drawing/2014/main" val="359900612"/>
+                  </a:ext>
+                </a:extLst>
+              </a:tr>
+              <a:tr h="434119">
+                <a:tc>
+                  <a:txBody>
+                    <a:bodyPr/>
+                    <a:lstStyle/>
+                    <a:p>
+                      <a:r>
+                        <a:rPr lang="en-IN" dirty="0"/>
+                        <a:t>1</a:t>
+                      </a:r>
+                    </a:p>
+                  </a:txBody>
+                  <a:tcPr/>
+                </a:tc>
+                <a:tc>
+                  <a:txBody>
+                    <a:bodyPr/>
+                    <a:lstStyle/>
+                    <a:p>
+                      <a:r>
+                        <a:rPr lang="en-IN" dirty="0"/>
+                        <a:t>3</a:t>
+                      </a:r>
+                    </a:p>
+                  </a:txBody>
+                  <a:tcPr/>
+                </a:tc>
+                <a:tc>
+                  <a:txBody>
+                    <a:bodyPr/>
+                    <a:lstStyle/>
+                    <a:p>
+                      <a:r>
+                        <a:rPr lang="en-IN" dirty="0"/>
+                        <a:t>20-10-2023</a:t>
+                      </a:r>
+                    </a:p>
+                  </a:txBody>
+                  <a:tcPr/>
+                </a:tc>
+                <a:tc>
+                  <a:txBody>
+                    <a:bodyPr/>
+                    <a:lstStyle/>
+                    <a:p>
+                      <a:r>
+                        <a:rPr lang="en-IN" dirty="0"/>
+                        <a:t>22-03-2023</a:t>
+                      </a:r>
+                    </a:p>
+                  </a:txBody>
+                  <a:tcPr/>
+                </a:tc>
+                <a:extLst>
+                  <a:ext uri="{0D108BD9-81ED-4DB2-BD59-A6C34878D82A}">
+                    <a16:rowId xmlns:a16="http://schemas.microsoft.com/office/drawing/2014/main" val="3239412014"/>
+                  </a:ext>
+                </a:extLst>
+              </a:tr>
+              <a:tr h="434119">
+                <a:tc>
+                  <a:txBody>
+                    <a:bodyPr/>
+                    <a:lstStyle/>
+                    <a:p>
+                      <a:r>
+                        <a:rPr lang="en-IN" dirty="0"/>
+                        <a:t>2</a:t>
+                      </a:r>
+                    </a:p>
+                  </a:txBody>
+                  <a:tcPr/>
+                </a:tc>
+                <a:tc>
+                  <a:txBody>
+                    <a:bodyPr/>
+                    <a:lstStyle/>
+                    <a:p>
+                      <a:r>
+                        <a:rPr lang="en-IN" dirty="0"/>
+                        <a:t>3</a:t>
+                      </a:r>
+                    </a:p>
+                  </a:txBody>
+                  <a:tcPr/>
+                </a:tc>
+                <a:tc>
+                  <a:txBody>
+                    <a:bodyPr/>
+                    <a:lstStyle/>
+                    <a:p>
+                      <a:r>
+                        <a:rPr lang="en-IN" dirty="0"/>
+                        <a:t>31-10-2023</a:t>
+                      </a:r>
+                    </a:p>
+                  </a:txBody>
+                  <a:tcPr/>
+                </a:tc>
+                <a:tc>
+                  <a:txBody>
+                    <a:bodyPr/>
+                    <a:lstStyle/>
+                    <a:p>
+                      <a:r>
+                        <a:rPr lang="en-IN" dirty="0"/>
+                        <a:t>01-11-2023</a:t>
+                      </a:r>
+                    </a:p>
+                  </a:txBody>
+                  <a:tcPr/>
+                </a:tc>
+                <a:extLst>
+                  <a:ext uri="{0D108BD9-81ED-4DB2-BD59-A6C34878D82A}">
+                    <a16:rowId xmlns:a16="http://schemas.microsoft.com/office/drawing/2014/main" val="2511332371"/>
+                  </a:ext>
+                </a:extLst>
+              </a:tr>
+              <a:tr h="678165">
+                <a:tc>
+                  <a:txBody>
+                    <a:bodyPr/>
+                    <a:lstStyle/>
+                    <a:p>
+                      <a:r>
+                        <a:rPr lang="en-IN" dirty="0"/>
+                        <a:t>3</a:t>
+                      </a:r>
+                    </a:p>
+                  </a:txBody>
+                  <a:tcPr/>
+                </a:tc>
+                <a:tc>
+                  <a:txBody>
+                    <a:bodyPr/>
+                    <a:lstStyle/>
+                    <a:p>
+                      <a:r>
+                        <a:rPr lang="en-IN" dirty="0"/>
+                        <a:t>4</a:t>
+                      </a:r>
+                    </a:p>
+                  </a:txBody>
+                  <a:tcPr/>
+                </a:tc>
+                <a:tc>
+                  <a:txBody>
+                    <a:bodyPr/>
+                    <a:lstStyle/>
+                    <a:p>
+                      <a:r>
+                        <a:rPr lang="en-IN" dirty="0"/>
+                        <a:t>07-11-2023</a:t>
+                      </a:r>
+                    </a:p>
+                  </a:txBody>
+                  <a:tcPr/>
+                </a:tc>
+                <a:tc>
+                  <a:txBody>
+                    <a:bodyPr/>
+                    <a:lstStyle/>
+                    <a:p>
+                      <a:r>
+                        <a:rPr lang="en-IN" dirty="0"/>
+                        <a:t>08-11-2023</a:t>
+                      </a:r>
+                    </a:p>
+                    <a:p>
+                      <a:r>
+                        <a:rPr lang="en-IN" dirty="0"/>
+                        <a:t>[Except the AI part]</a:t>
+                      </a:r>
+                    </a:p>
+                  </a:txBody>
+                  <a:tcPr/>
+                </a:tc>
+                <a:extLst>
+                  <a:ext uri="{0D108BD9-81ED-4DB2-BD59-A6C34878D82A}">
+                    <a16:rowId xmlns:a16="http://schemas.microsoft.com/office/drawing/2014/main" val="450455352"/>
+                  </a:ext>
+                </a:extLst>
+              </a:tr>
+              <a:tr h="680822">
+                <a:tc>
+                  <a:txBody>
+                    <a:bodyPr/>
+                    <a:lstStyle/>
+                    <a:p>
+                      <a:r>
+                        <a:rPr lang="en-IN" dirty="0"/>
+                        <a:t>AI model Training</a:t>
+                      </a:r>
+                    </a:p>
+                  </a:txBody>
+                  <a:tcPr/>
+                </a:tc>
+                <a:tc>
+                  <a:txBody>
+                    <a:bodyPr/>
+                    <a:lstStyle/>
+                    <a:p>
+                      <a:r>
+                        <a:rPr lang="en-IN" dirty="0"/>
+                        <a:t>NA</a:t>
+                      </a:r>
+                    </a:p>
+                  </a:txBody>
+                  <a:tcPr/>
+                </a:tc>
+                <a:tc>
+                  <a:txBody>
+                    <a:bodyPr/>
+                    <a:lstStyle/>
+                    <a:p>
+                      <a:r>
+                        <a:rPr lang="en-IN" dirty="0"/>
+                        <a:t>22-11-2023</a:t>
+                      </a:r>
+                    </a:p>
+                  </a:txBody>
+                  <a:tcPr/>
+                </a:tc>
+                <a:tc>
+                  <a:txBody>
+                    <a:bodyPr/>
+                    <a:lstStyle/>
+                    <a:p>
+                      <a:r>
+                        <a:rPr lang="en-IN" dirty="0"/>
+                        <a:t>02-12-2023</a:t>
+                      </a:r>
+                    </a:p>
+                  </a:txBody>
+                  <a:tcPr/>
+                </a:tc>
+                <a:extLst>
+                  <a:ext uri="{0D108BD9-81ED-4DB2-BD59-A6C34878D82A}">
+                    <a16:rowId xmlns:a16="http://schemas.microsoft.com/office/drawing/2014/main" val="707321749"/>
+                  </a:ext>
+                </a:extLst>
+              </a:tr>
+              <a:tr h="389884">
+                <a:tc>
+                  <a:txBody>
+                    <a:bodyPr/>
+                    <a:lstStyle/>
+                    <a:p>
+                      <a:r>
+                        <a:rPr lang="en-IN" dirty="0"/>
+                        <a:t>Internal Demo </a:t>
+                      </a:r>
+                    </a:p>
+                  </a:txBody>
+                  <a:tcPr/>
+                </a:tc>
+                <a:tc>
+                  <a:txBody>
+                    <a:bodyPr/>
+                    <a:lstStyle/>
+                    <a:p>
+                      <a:r>
+                        <a:rPr lang="en-IN" dirty="0"/>
+                        <a:t>NA</a:t>
+                      </a:r>
+                    </a:p>
+                  </a:txBody>
+                  <a:tcPr/>
+                </a:tc>
+                <a:tc>
+                  <a:txBody>
+                    <a:bodyPr/>
+                    <a:lstStyle/>
+                    <a:p>
+                      <a:r>
+                        <a:rPr lang="en-IN" dirty="0"/>
+                        <a:t>04-12-2023</a:t>
+                      </a:r>
+                    </a:p>
+                    <a:p>
+                      <a:r>
+                        <a:rPr lang="en-IN" dirty="0"/>
+                        <a:t>[Demo-1]</a:t>
+                      </a:r>
+                    </a:p>
+                  </a:txBody>
+                  <a:tcPr/>
+                </a:tc>
+                <a:tc>
+                  <a:txBody>
+                    <a:bodyPr/>
+                    <a:lstStyle/>
+                    <a:p>
+                      <a:r>
+                        <a:rPr lang="en-IN" dirty="0"/>
+                        <a:t>10-12-2023</a:t>
+                      </a:r>
+                    </a:p>
+                    <a:p>
+                      <a:r>
+                        <a:rPr lang="en-IN" dirty="0"/>
+                        <a:t>[Demo-2]</a:t>
+                      </a:r>
+                    </a:p>
+                  </a:txBody>
+                  <a:tcPr/>
+                </a:tc>
+                <a:extLst>
+                  <a:ext uri="{0D108BD9-81ED-4DB2-BD59-A6C34878D82A}">
+                    <a16:rowId xmlns:a16="http://schemas.microsoft.com/office/drawing/2014/main" val="1742141788"/>
+                  </a:ext>
+                </a:extLst>
+              </a:tr>
+            </a:tbl>
+          </a:graphicData>
+        </a:graphic>
+      </p:graphicFrame>
     </p:spTree>
     <p:extLst>
       <p:ext uri="{BB962C8B-B14F-4D97-AF65-F5344CB8AC3E}">
@@ -13934,7 +14550,7 @@
             <a:pPr algn="ctr"/>
             <a:r>
               <a:rPr lang="en-IN" dirty="0"/>
-              <a:t>Application</a:t>
+              <a:t>FAIVE</a:t>
             </a:r>
           </a:p>
         </p:txBody>
@@ -14028,7 +14644,7 @@
             <a:pPr algn="ctr"/>
             <a:r>
               <a:rPr lang="en-IN" dirty="0"/>
-              <a:t>Z</a:t>
+              <a:t>Which can explain </a:t>
             </a:r>
           </a:p>
         </p:txBody>
@@ -14075,7 +14691,7 @@
             <a:pPr algn="ctr"/>
             <a:r>
               <a:rPr lang="en-IN" dirty="0"/>
-              <a:t>X</a:t>
+              <a:t>Let us add</a:t>
             </a:r>
           </a:p>
         </p:txBody>
@@ -14095,7 +14711,7 @@
         <p:spPr>
           <a:xfrm>
             <a:off x="2192925" y="3827418"/>
-            <a:ext cx="1741715" cy="653143"/>
+            <a:ext cx="1741715" cy="998582"/>
           </a:xfrm>
           <a:prstGeom prst="rect">
             <a:avLst/>
@@ -14122,7 +14738,7 @@
             <a:pPr algn="ctr"/>
             <a:r>
               <a:rPr lang="en-IN" dirty="0"/>
-              <a:t>Y</a:t>
+              <a:t>An architecture diagram</a:t>
             </a:r>
           </a:p>
         </p:txBody>
@@ -14169,7 +14785,7 @@
             <a:pPr algn="ctr"/>
             <a:r>
               <a:rPr lang="en-IN" dirty="0"/>
-              <a:t>A</a:t>
+              <a:t>Instead of this picture</a:t>
             </a:r>
           </a:p>
         </p:txBody>
@@ -14216,7 +14832,7 @@
             <a:pPr algn="ctr"/>
             <a:r>
               <a:rPr lang="en-IN" dirty="0"/>
-              <a:t>C</a:t>
+              <a:t>And also the AI</a:t>
             </a:r>
           </a:p>
         </p:txBody>
@@ -14263,7 +14879,7 @@
             <a:pPr algn="ctr"/>
             <a:r>
               <a:rPr lang="en-IN" dirty="0"/>
-              <a:t>W</a:t>
+              <a:t>Both UI and API</a:t>
             </a:r>
           </a:p>
         </p:txBody>
@@ -14681,8 +15297,8 @@
         </p:nvSpPr>
         <p:spPr>
           <a:xfrm>
-            <a:off x="2629259" y="3307521"/>
-            <a:ext cx="3466741" cy="1670326"/>
+            <a:off x="1154954" y="2474400"/>
+            <a:ext cx="10529046" cy="3895919"/>
           </a:xfrm>
         </p:spPr>
         <p:txBody>
@@ -14692,46 +15308,23 @@
           <a:lstStyle/>
           <a:p>
             <a:r>
-              <a:rPr lang="en-US" dirty="0" err="1"/>
-              <a:t>xxxxx</a:t>
+              <a:rPr lang="en-US" dirty="0"/>
+              <a:t>Technology used - REACT.JS using </a:t>
             </a:r>
             <a:r>
-              <a:rPr lang="en-US" dirty="0"/>
-              <a:t>.</a:t>
+              <a:rPr lang="en-US" dirty="0" err="1"/>
+              <a:t>Javascript</a:t>
             </a:r>
+            <a:endParaRPr lang="en-US" dirty="0"/>
+          </a:p>
+          <a:p>
+            <a:endParaRPr lang="en-IN" dirty="0"/>
           </a:p>
           <a:p>
             <a:r>
-              <a:rPr lang="en-US" dirty="0" err="1"/>
-              <a:t>xxxxx</a:t>
+              <a:rPr lang="en-IN" dirty="0"/>
+              <a:t>All the epics mentioned above need front end to be developed.</a:t>
             </a:r>
-            <a:r>
-              <a:rPr lang="en-US" dirty="0"/>
-              <a:t>.</a:t>
-            </a:r>
-          </a:p>
-          <a:p>
-            <a:r>
-              <a:rPr lang="en-US" dirty="0" err="1"/>
-              <a:t>xxxxx</a:t>
-            </a:r>
-            <a:r>
-              <a:rPr lang="en-US" dirty="0"/>
-              <a:t>.</a:t>
-            </a:r>
-          </a:p>
-          <a:p>
-            <a:r>
-              <a:rPr lang="en-US" dirty="0" err="1"/>
-              <a:t>xxxxx</a:t>
-            </a:r>
-            <a:r>
-              <a:rPr lang="en-US" dirty="0"/>
-              <a:t>.</a:t>
-            </a:r>
-          </a:p>
-          <a:p>
-            <a:endParaRPr lang="en-IN" dirty="0"/>
           </a:p>
         </p:txBody>
       </p:sp>
@@ -14804,8 +15397,8 @@
         </p:nvSpPr>
         <p:spPr>
           <a:xfrm>
-            <a:off x="2629259" y="3307521"/>
-            <a:ext cx="3466741" cy="1670326"/>
+            <a:off x="1044299" y="2789360"/>
+            <a:ext cx="11422021" cy="4190560"/>
           </a:xfrm>
           <a:prstGeom prst="rect">
             <a:avLst/>
@@ -15044,30 +15637,83 @@
           </a:lstStyle>
           <a:p>
             <a:r>
-              <a:rPr lang="en-US"/>
-              <a:t>xxxxx.</a:t>
+              <a:rPr lang="en-US" dirty="0"/>
+              <a:t>Technology used – Node.JS with JSON REST services and </a:t>
             </a:r>
-          </a:p>
-          <a:p>
             <a:r>
-              <a:rPr lang="en-US"/>
-              <a:t>xxxxx.</a:t>
+              <a:rPr lang="en-US" dirty="0" err="1"/>
+              <a:t>Javascript</a:t>
             </a:r>
-          </a:p>
-          <a:p>
             <a:r>
-              <a:rPr lang="en-US"/>
-              <a:t>xxxxx.</a:t>
+              <a:rPr lang="en-US" dirty="0"/>
+              <a:t>.</a:t>
             </a:r>
           </a:p>
           <a:p>
+            <a:endParaRPr lang="en-US" dirty="0"/>
+          </a:p>
+          <a:p>
             <a:r>
-              <a:rPr lang="en-US"/>
-              <a:t>xxxxx.</a:t>
+              <a:rPr lang="en-US" sz="2400" dirty="0"/>
+              <a:t>The following epics need backend support of REST API services</a:t>
             </a:r>
           </a:p>
           <a:p>
-            <a:endParaRPr lang="en-IN" dirty="0"/>
+            <a:pPr lvl="3"/>
+            <a:r>
+              <a:rPr lang="en-US" sz="1600" dirty="0"/>
+              <a:t>Login Page</a:t>
+            </a:r>
+          </a:p>
+          <a:p>
+            <a:pPr lvl="3"/>
+            <a:r>
+              <a:rPr lang="en-US" sz="1600" dirty="0"/>
+              <a:t>Job Postings</a:t>
+            </a:r>
+          </a:p>
+          <a:p>
+            <a:pPr lvl="3"/>
+            <a:r>
+              <a:rPr lang="en-US" sz="1600" dirty="0"/>
+              <a:t>HR rank list</a:t>
+            </a:r>
+          </a:p>
+          <a:p>
+            <a:pPr lvl="3"/>
+            <a:r>
+              <a:rPr lang="en-US" sz="1600" dirty="0"/>
+              <a:t>Personality Test[</a:t>
+            </a:r>
+            <a:r>
+              <a:rPr lang="en-US" sz="1600" dirty="0" err="1"/>
+              <a:t>Enternal</a:t>
+            </a:r>
+            <a:r>
+              <a:rPr lang="en-US" sz="1600" dirty="0"/>
+              <a:t> API- To be filled]</a:t>
+            </a:r>
+          </a:p>
+          <a:p>
+            <a:pPr lvl="3"/>
+            <a:r>
+              <a:rPr lang="en-US" sz="1600" dirty="0"/>
+              <a:t>Sign Up Page</a:t>
+            </a:r>
+          </a:p>
+          <a:p>
+            <a:pPr lvl="3"/>
+            <a:r>
+              <a:rPr lang="en-US" sz="1600" dirty="0"/>
+              <a:t>Personality Report</a:t>
+            </a:r>
+          </a:p>
+          <a:p>
+            <a:pPr lvl="3"/>
+            <a:r>
+              <a:rPr lang="en-US" sz="1600" dirty="0"/>
+              <a:t>Sending mail to candidate to schedule interview</a:t>
+            </a:r>
           </a:p>
         </p:txBody>
       </p:sp>
@@ -15140,8 +15786,8 @@
         </p:nvSpPr>
         <p:spPr>
           <a:xfrm>
-            <a:off x="2629259" y="3307521"/>
-            <a:ext cx="3466741" cy="1670326"/>
+            <a:off x="1247499" y="2718240"/>
+            <a:ext cx="9450981" cy="3926400"/>
           </a:xfrm>
           <a:prstGeom prst="rect">
             <a:avLst/>
@@ -15380,29 +16026,72 @@
           </a:lstStyle>
           <a:p>
             <a:r>
-              <a:rPr lang="en-US"/>
-              <a:t>xxxxx.</a:t>
+              <a:rPr lang="en-US" dirty="0"/>
+              <a:t>Technology used - SQL database using </a:t>
             </a:r>
-          </a:p>
-          <a:p>
             <a:r>
-              <a:rPr lang="en-US"/>
-              <a:t>xxxxx.</a:t>
+              <a:rPr lang="en-US" dirty="0" err="1"/>
+              <a:t>mySQL</a:t>
             </a:r>
+            <a:endParaRPr lang="en-US" dirty="0"/>
+          </a:p>
+          <a:p>
+            <a:endParaRPr lang="en-US" dirty="0"/>
           </a:p>
           <a:p>
             <a:r>
-              <a:rPr lang="en-US"/>
-              <a:t>xxxxx.</a:t>
+              <a:rPr lang="en-IN" dirty="0"/>
+              <a:t>Database to be used for the following</a:t>
             </a:r>
           </a:p>
           <a:p>
+            <a:pPr lvl="3"/>
             <a:r>
-              <a:rPr lang="en-US"/>
-              <a:t>xxxxx.</a:t>
+              <a:rPr lang="en-IN" dirty="0"/>
+              <a:t>Login Page Correlation</a:t>
             </a:r>
           </a:p>
           <a:p>
+            <a:pPr lvl="3"/>
+            <a:r>
+              <a:rPr lang="en-IN" dirty="0"/>
+              <a:t>Candidate and HR profile details</a:t>
+            </a:r>
+          </a:p>
+          <a:p>
+            <a:pPr lvl="3"/>
+            <a:r>
+              <a:rPr lang="en-IN" dirty="0"/>
+              <a:t>Job Postings</a:t>
+            </a:r>
+          </a:p>
+          <a:p>
+            <a:pPr lvl="3"/>
+            <a:r>
+              <a:rPr lang="en-IN" dirty="0"/>
+              <a:t>Candidate </a:t>
+            </a:r>
+            <a:r>
+              <a:rPr lang="en-IN" dirty="0" err="1"/>
+              <a:t>marklist</a:t>
+            </a:r>
+            <a:r>
+              <a:rPr lang="en-IN" dirty="0"/>
+              <a:t> for sectional marks of each section</a:t>
+            </a:r>
+          </a:p>
+          <a:p>
+            <a:pPr marL="1371600" lvl="3" indent="0">
+              <a:buNone/>
+            </a:pPr>
+            <a:endParaRPr lang="en-IN" dirty="0"/>
+          </a:p>
+          <a:p>
+            <a:pPr lvl="3"/>
+            <a:endParaRPr lang="en-IN" dirty="0"/>
+          </a:p>
+          <a:p>
+            <a:pPr lvl="3"/>
             <a:endParaRPr lang="en-IN" dirty="0"/>
           </a:p>
         </p:txBody>
@@ -15476,8 +16165,8 @@
         </p:nvSpPr>
         <p:spPr>
           <a:xfrm>
-            <a:off x="2629259" y="3307521"/>
-            <a:ext cx="3466741" cy="1670326"/>
+            <a:off x="1154954" y="3012880"/>
+            <a:ext cx="10396966" cy="3123760"/>
           </a:xfrm>
           <a:prstGeom prst="rect">
             <a:avLst/>
@@ -15716,26 +16405,14 @@
           </a:lstStyle>
           <a:p>
             <a:r>
-              <a:rPr lang="en-US"/>
-              <a:t>xxxxx.</a:t>
+              <a:rPr lang="en-US" dirty="0"/>
+              <a:t>Natural language Processing using TensorFlow for the CV analysis</a:t>
             </a:r>
           </a:p>
           <a:p>
             <a:r>
-              <a:rPr lang="en-US"/>
-              <a:t>xxxxx.</a:t>
-            </a:r>
-          </a:p>
-          <a:p>
-            <a:r>
-              <a:rPr lang="en-US"/>
-              <a:t>xxxxx.</a:t>
-            </a:r>
-          </a:p>
-          <a:p>
-            <a:r>
-              <a:rPr lang="en-US"/>
-              <a:t>xxxxx.</a:t>
+              <a:rPr lang="en-US" dirty="0"/>
+              <a:t>Logistic Regression for the final decision making</a:t>
             </a:r>
           </a:p>
           <a:p>
